--- a/documentacao/Arquitetura-de-TI/HLD-LLD.pptx
+++ b/documentacao/Arquitetura-de-TI/HLD-LLD.pptx
@@ -259,7 +259,7 @@
           <a:p>
             <a:fld id="{82869B3E-A76A-4689-B656-33BE798491C8}" type="datetimeFigureOut">
               <a:rPr lang="pt-BR" smtClean="0"/>
-              <a:t>30/09/2019</a:t>
+              <a:t>21/11/2019</a:t>
             </a:fld>
             <a:endParaRPr lang="pt-BR"/>
           </a:p>
@@ -429,7 +429,7 @@
           <a:p>
             <a:fld id="{82869B3E-A76A-4689-B656-33BE798491C8}" type="datetimeFigureOut">
               <a:rPr lang="pt-BR" smtClean="0"/>
-              <a:t>30/09/2019</a:t>
+              <a:t>21/11/2019</a:t>
             </a:fld>
             <a:endParaRPr lang="pt-BR"/>
           </a:p>
@@ -609,7 +609,7 @@
           <a:p>
             <a:fld id="{82869B3E-A76A-4689-B656-33BE798491C8}" type="datetimeFigureOut">
               <a:rPr lang="pt-BR" smtClean="0"/>
-              <a:t>30/09/2019</a:t>
+              <a:t>21/11/2019</a:t>
             </a:fld>
             <a:endParaRPr lang="pt-BR"/>
           </a:p>
@@ -1415,7 +1415,7 @@
           <a:p>
             <a:fld id="{82869B3E-A76A-4689-B656-33BE798491C8}" type="datetimeFigureOut">
               <a:rPr lang="pt-BR" smtClean="0"/>
-              <a:t>30/09/2019</a:t>
+              <a:t>21/11/2019</a:t>
             </a:fld>
             <a:endParaRPr lang="pt-BR"/>
           </a:p>
@@ -1585,7 +1585,7 @@
           <a:p>
             <a:fld id="{82869B3E-A76A-4689-B656-33BE798491C8}" type="datetimeFigureOut">
               <a:rPr lang="pt-BR" smtClean="0"/>
-              <a:t>30/09/2019</a:t>
+              <a:t>21/11/2019</a:t>
             </a:fld>
             <a:endParaRPr lang="pt-BR"/>
           </a:p>
@@ -1832,7 +1832,7 @@
           <a:p>
             <a:fld id="{82869B3E-A76A-4689-B656-33BE798491C8}" type="datetimeFigureOut">
               <a:rPr lang="pt-BR" smtClean="0"/>
-              <a:t>30/09/2019</a:t>
+              <a:t>21/11/2019</a:t>
             </a:fld>
             <a:endParaRPr lang="pt-BR"/>
           </a:p>
@@ -2064,7 +2064,7 @@
           <a:p>
             <a:fld id="{82869B3E-A76A-4689-B656-33BE798491C8}" type="datetimeFigureOut">
               <a:rPr lang="pt-BR" smtClean="0"/>
-              <a:t>30/09/2019</a:t>
+              <a:t>21/11/2019</a:t>
             </a:fld>
             <a:endParaRPr lang="pt-BR"/>
           </a:p>
@@ -2438,7 +2438,7 @@
           <a:p>
             <a:fld id="{82869B3E-A76A-4689-B656-33BE798491C8}" type="datetimeFigureOut">
               <a:rPr lang="pt-BR" smtClean="0"/>
-              <a:t>30/09/2019</a:t>
+              <a:t>21/11/2019</a:t>
             </a:fld>
             <a:endParaRPr lang="pt-BR"/>
           </a:p>
@@ -2561,7 +2561,7 @@
           <a:p>
             <a:fld id="{82869B3E-A76A-4689-B656-33BE798491C8}" type="datetimeFigureOut">
               <a:rPr lang="pt-BR" smtClean="0"/>
-              <a:t>30/09/2019</a:t>
+              <a:t>21/11/2019</a:t>
             </a:fld>
             <a:endParaRPr lang="pt-BR"/>
           </a:p>
@@ -2656,7 +2656,7 @@
           <a:p>
             <a:fld id="{82869B3E-A76A-4689-B656-33BE798491C8}" type="datetimeFigureOut">
               <a:rPr lang="pt-BR" smtClean="0"/>
-              <a:t>30/09/2019</a:t>
+              <a:t>21/11/2019</a:t>
             </a:fld>
             <a:endParaRPr lang="pt-BR"/>
           </a:p>
@@ -2911,7 +2911,7 @@
           <a:p>
             <a:fld id="{82869B3E-A76A-4689-B656-33BE798491C8}" type="datetimeFigureOut">
               <a:rPr lang="pt-BR" smtClean="0"/>
-              <a:t>30/09/2019</a:t>
+              <a:t>21/11/2019</a:t>
             </a:fld>
             <a:endParaRPr lang="pt-BR"/>
           </a:p>
@@ -3081,7 +3081,7 @@
           <a:p>
             <a:fld id="{82869B3E-A76A-4689-B656-33BE798491C8}" type="datetimeFigureOut">
               <a:rPr lang="pt-BR" smtClean="0"/>
-              <a:t>30/09/2019</a:t>
+              <a:t>21/11/2019</a:t>
             </a:fld>
             <a:endParaRPr lang="pt-BR"/>
           </a:p>
@@ -3386,7 +3386,7 @@
           <a:p>
             <a:fld id="{82869B3E-A76A-4689-B656-33BE798491C8}" type="datetimeFigureOut">
               <a:rPr lang="pt-BR" smtClean="0"/>
-              <a:t>30/09/2019</a:t>
+              <a:t>21/11/2019</a:t>
             </a:fld>
             <a:endParaRPr lang="pt-BR"/>
           </a:p>
@@ -3595,7 +3595,7 @@
           <a:p>
             <a:fld id="{82869B3E-A76A-4689-B656-33BE798491C8}" type="datetimeFigureOut">
               <a:rPr lang="pt-BR" smtClean="0"/>
-              <a:t>30/09/2019</a:t>
+              <a:t>21/11/2019</a:t>
             </a:fld>
             <a:endParaRPr lang="pt-BR"/>
           </a:p>
@@ -3909,7 +3909,7 @@
           <a:p>
             <a:fld id="{82869B3E-A76A-4689-B656-33BE798491C8}" type="datetimeFigureOut">
               <a:rPr lang="pt-BR" smtClean="0"/>
-              <a:t>30/09/2019</a:t>
+              <a:t>21/11/2019</a:t>
             </a:fld>
             <a:endParaRPr lang="pt-BR"/>
           </a:p>
@@ -4242,7 +4242,7 @@
           <a:p>
             <a:fld id="{82869B3E-A76A-4689-B656-33BE798491C8}" type="datetimeFigureOut">
               <a:rPr lang="pt-BR" smtClean="0"/>
-              <a:t>30/09/2019</a:t>
+              <a:t>21/11/2019</a:t>
             </a:fld>
             <a:endParaRPr lang="pt-BR"/>
           </a:p>
@@ -4556,7 +4556,7 @@
           <a:p>
             <a:fld id="{82869B3E-A76A-4689-B656-33BE798491C8}" type="datetimeFigureOut">
               <a:rPr lang="pt-BR" smtClean="0"/>
-              <a:t>30/09/2019</a:t>
+              <a:t>21/11/2019</a:t>
             </a:fld>
             <a:endParaRPr lang="pt-BR"/>
           </a:p>
@@ -4949,7 +4949,7 @@
           <a:p>
             <a:fld id="{82869B3E-A76A-4689-B656-33BE798491C8}" type="datetimeFigureOut">
               <a:rPr lang="pt-BR" smtClean="0"/>
-              <a:t>30/09/2019</a:t>
+              <a:t>21/11/2019</a:t>
             </a:fld>
             <a:endParaRPr lang="pt-BR"/>
           </a:p>
@@ -5119,7 +5119,7 @@
           <a:p>
             <a:fld id="{82869B3E-A76A-4689-B656-33BE798491C8}" type="datetimeFigureOut">
               <a:rPr lang="pt-BR" smtClean="0"/>
-              <a:t>30/09/2019</a:t>
+              <a:t>21/11/2019</a:t>
             </a:fld>
             <a:endParaRPr lang="pt-BR"/>
           </a:p>
@@ -5299,7 +5299,7 @@
           <a:p>
             <a:fld id="{82869B3E-A76A-4689-B656-33BE798491C8}" type="datetimeFigureOut">
               <a:rPr lang="pt-BR" smtClean="0"/>
-              <a:t>30/09/2019</a:t>
+              <a:t>21/11/2019</a:t>
             </a:fld>
             <a:endParaRPr lang="pt-BR"/>
           </a:p>
@@ -5550,7 +5550,7 @@
           <a:p>
             <a:fld id="{82869B3E-A76A-4689-B656-33BE798491C8}" type="datetimeFigureOut">
               <a:rPr lang="pt-BR" smtClean="0"/>
-              <a:t>30/09/2019</a:t>
+              <a:t>21/11/2019</a:t>
             </a:fld>
             <a:endParaRPr lang="pt-BR"/>
           </a:p>
@@ -5782,7 +5782,7 @@
           <a:p>
             <a:fld id="{82869B3E-A76A-4689-B656-33BE798491C8}" type="datetimeFigureOut">
               <a:rPr lang="pt-BR" smtClean="0"/>
-              <a:t>30/09/2019</a:t>
+              <a:t>21/11/2019</a:t>
             </a:fld>
             <a:endParaRPr lang="pt-BR"/>
           </a:p>
@@ -6129,7 +6129,7 @@
           <a:p>
             <a:fld id="{82869B3E-A76A-4689-B656-33BE798491C8}" type="datetimeFigureOut">
               <a:rPr lang="pt-BR" smtClean="0"/>
-              <a:t>30/09/2019</a:t>
+              <a:t>21/11/2019</a:t>
             </a:fld>
             <a:endParaRPr lang="pt-BR"/>
           </a:p>
@@ -6247,7 +6247,7 @@
           <a:p>
             <a:fld id="{82869B3E-A76A-4689-B656-33BE798491C8}" type="datetimeFigureOut">
               <a:rPr lang="pt-BR" smtClean="0"/>
-              <a:t>30/09/2019</a:t>
+              <a:t>21/11/2019</a:t>
             </a:fld>
             <a:endParaRPr lang="pt-BR"/>
           </a:p>
@@ -6365,7 +6365,7 @@
           <a:p>
             <a:fld id="{82869B3E-A76A-4689-B656-33BE798491C8}" type="datetimeFigureOut">
               <a:rPr lang="pt-BR" smtClean="0"/>
-              <a:t>30/09/2019</a:t>
+              <a:t>21/11/2019</a:t>
             </a:fld>
             <a:endParaRPr lang="pt-BR"/>
           </a:p>
@@ -6649,7 +6649,7 @@
           <a:p>
             <a:fld id="{82869B3E-A76A-4689-B656-33BE798491C8}" type="datetimeFigureOut">
               <a:rPr lang="pt-BR" smtClean="0"/>
-              <a:t>30/09/2019</a:t>
+              <a:t>21/11/2019</a:t>
             </a:fld>
             <a:endParaRPr lang="pt-BR"/>
           </a:p>
@@ -6913,7 +6913,7 @@
           <a:p>
             <a:fld id="{82869B3E-A76A-4689-B656-33BE798491C8}" type="datetimeFigureOut">
               <a:rPr lang="pt-BR" smtClean="0"/>
-              <a:t>30/09/2019</a:t>
+              <a:t>21/11/2019</a:t>
             </a:fld>
             <a:endParaRPr lang="pt-BR"/>
           </a:p>
@@ -7150,7 +7150,7 @@
           <a:p>
             <a:fld id="{82869B3E-A76A-4689-B656-33BE798491C8}" type="datetimeFigureOut">
               <a:rPr lang="pt-BR" smtClean="0"/>
-              <a:t>30/09/2019</a:t>
+              <a:t>21/11/2019</a:t>
             </a:fld>
             <a:endParaRPr lang="pt-BR"/>
           </a:p>
@@ -8210,7 +8210,7 @@
           <a:p>
             <a:fld id="{82869B3E-A76A-4689-B656-33BE798491C8}" type="datetimeFigureOut">
               <a:rPr lang="pt-BR" smtClean="0"/>
-              <a:t>30/09/2019</a:t>
+              <a:t>21/11/2019</a:t>
             </a:fld>
             <a:endParaRPr lang="pt-BR"/>
           </a:p>
@@ -10325,7 +10325,7 @@
 </file>
 
 <file path=ppt/slides/slide5.xml><?xml version="1.0" encoding="utf-8"?>
-<p:sld xmlns:a="http://schemas.openxmlformats.org/drawingml/2006/main" xmlns:r="http://schemas.openxmlformats.org/officeDocument/2006/relationships" xmlns:p="http://schemas.openxmlformats.org/presentationml/2006/main">
+<p:sld xmlns:a="http://schemas.openxmlformats.org/drawingml/2006/main" xmlns:r="http://schemas.openxmlformats.org/officeDocument/2006/relationships" xmlns:p="http://schemas.openxmlformats.org/presentationml/2006/main" showMasterSp="0">
   <p:cSld>
     <p:bg>
       <p:bgPr>
@@ -10371,8 +10371,8 @@
         </p:blipFill>
         <p:spPr>
           <a:xfrm>
-            <a:off x="850302" y="5576455"/>
-            <a:ext cx="1281545" cy="1281545"/>
+            <a:off x="1842950" y="3469503"/>
+            <a:ext cx="1476495" cy="1476495"/>
           </a:xfrm>
           <a:prstGeom prst="rect">
             <a:avLst/>
@@ -10386,9 +10386,9 @@
           <p:nvPr/>
         </p:nvSpPr>
         <p:spPr>
-          <a:xfrm>
-            <a:off x="1295399" y="4942872"/>
-            <a:ext cx="391352" cy="790088"/>
+          <a:xfrm rot="5400000">
+            <a:off x="2209599" y="5733166"/>
+            <a:ext cx="302341" cy="492915"/>
           </a:xfrm>
           <a:prstGeom prst="upArrow">
             <a:avLst/>
@@ -10441,7 +10441,7 @@
         </p:blipFill>
         <p:spPr>
           <a:xfrm>
-            <a:off x="482600" y="3721100"/>
+            <a:off x="630462" y="5503483"/>
             <a:ext cx="1311507" cy="1124149"/>
           </a:xfrm>
           <a:prstGeom prst="rect">
@@ -10471,7 +10471,7 @@
         </p:blipFill>
         <p:spPr>
           <a:xfrm rot="10800000">
-            <a:off x="2581504" y="3517900"/>
+            <a:off x="2805708" y="5328652"/>
             <a:ext cx="2153391" cy="1202810"/>
           </a:xfrm>
           <a:prstGeom prst="rect">
@@ -10479,46 +10479,6 @@
           </a:prstGeom>
         </p:spPr>
       </p:pic>
-      <p:sp>
-        <p:nvSpPr>
-          <p:cNvPr id="22" name="Seta para Cima 21"/>
-          <p:cNvSpPr/>
-          <p:nvPr/>
-        </p:nvSpPr>
-        <p:spPr>
-          <a:xfrm rot="5400000">
-            <a:off x="2035757" y="3824158"/>
-            <a:ext cx="304098" cy="613934"/>
-          </a:xfrm>
-          <a:prstGeom prst="upArrow">
-            <a:avLst/>
-          </a:prstGeom>
-        </p:spPr>
-        <p:style>
-          <a:lnRef idx="2">
-            <a:schemeClr val="accent1">
-              <a:shade val="50000"/>
-            </a:schemeClr>
-          </a:lnRef>
-          <a:fillRef idx="1">
-            <a:schemeClr val="accent1"/>
-          </a:fillRef>
-          <a:effectRef idx="0">
-            <a:schemeClr val="accent1"/>
-          </a:effectRef>
-          <a:fontRef idx="minor">
-            <a:schemeClr val="lt1"/>
-          </a:fontRef>
-        </p:style>
-        <p:txBody>
-          <a:bodyPr rtlCol="0" anchor="ctr"/>
-          <a:lstStyle/>
-          <a:p>
-            <a:pPr algn="ctr"/>
-            <a:endParaRPr lang="pt-BR"/>
-          </a:p>
-        </p:txBody>
-      </p:sp>
       <p:pic>
         <p:nvPicPr>
           <p:cNvPr id="5" name="Imagem 4"/>
@@ -10548,7 +10508,7 @@
         </p:blipFill>
         <p:spPr>
           <a:xfrm>
-            <a:off x="2924917" y="5507182"/>
+            <a:off x="4277540" y="3684580"/>
             <a:ext cx="1466563" cy="1158286"/>
           </a:xfrm>
           <a:prstGeom prst="rect">
@@ -10556,42 +10516,6 @@
           </a:prstGeom>
         </p:spPr>
       </p:pic>
-      <p:cxnSp>
-        <p:nvCxnSpPr>
-          <p:cNvPr id="42" name="Conector Angulado 41"/>
-          <p:cNvCxnSpPr>
-            <a:stCxn id="5" idx="3"/>
-          </p:cNvCxnSpPr>
-          <p:nvPr/>
-        </p:nvCxnSpPr>
-        <p:spPr>
-          <a:xfrm flipV="1">
-            <a:off x="4391480" y="4720710"/>
-            <a:ext cx="312071" cy="1365615"/>
-          </a:xfrm>
-          <a:prstGeom prst="bentConnector2">
-            <a:avLst/>
-          </a:prstGeom>
-          <a:ln>
-            <a:headEnd type="triangle"/>
-            <a:tailEnd type="triangle"/>
-          </a:ln>
-        </p:spPr>
-        <p:style>
-          <a:lnRef idx="1">
-            <a:schemeClr val="dk1"/>
-          </a:lnRef>
-          <a:fillRef idx="0">
-            <a:schemeClr val="dk1"/>
-          </a:fillRef>
-          <a:effectRef idx="0">
-            <a:schemeClr val="dk1"/>
-          </a:effectRef>
-          <a:fontRef idx="minor">
-            <a:schemeClr val="tx1"/>
-          </a:fontRef>
-        </p:style>
-      </p:cxnSp>
       <p:sp>
         <p:nvSpPr>
           <p:cNvPr id="43" name="Retângulo 42"/>
@@ -10600,8 +10524,8 @@
         </p:nvSpPr>
         <p:spPr>
           <a:xfrm>
-            <a:off x="482600" y="2902636"/>
-            <a:ext cx="4762500" cy="3866463"/>
+            <a:off x="208166" y="3120826"/>
+            <a:ext cx="5730887" cy="3657654"/>
           </a:xfrm>
           <a:prstGeom prst="rect">
             <a:avLst/>
@@ -10661,7 +10585,7 @@
         </p:blipFill>
         <p:spPr>
           <a:xfrm rot="12123135">
-            <a:off x="4391486" y="5195117"/>
+            <a:off x="5040638" y="5777123"/>
             <a:ext cx="624130" cy="624130"/>
           </a:xfrm>
           <a:prstGeom prst="rect">
@@ -10691,7 +10615,7 @@
         </p:blipFill>
         <p:spPr>
           <a:xfrm rot="17665739" flipH="1">
-            <a:off x="4589754" y="5396258"/>
+            <a:off x="5259467" y="5954630"/>
             <a:ext cx="221849" cy="221849"/>
           </a:xfrm>
           <a:prstGeom prst="rect">
@@ -10721,7 +10645,7 @@
         </p:blipFill>
         <p:spPr>
           <a:xfrm>
-            <a:off x="3194271" y="5625464"/>
+            <a:off x="4659338" y="3911117"/>
             <a:ext cx="351484" cy="214991"/>
           </a:xfrm>
           <a:prstGeom prst="rect">
@@ -10751,8 +10675,604 @@
         </p:blipFill>
         <p:spPr>
           <a:xfrm flipV="1">
-            <a:off x="3737795" y="5732960"/>
+            <a:off x="5216477" y="3989883"/>
             <a:ext cx="272451" cy="272451"/>
+          </a:xfrm>
+          <a:prstGeom prst="rect">
+            <a:avLst/>
+          </a:prstGeom>
+        </p:spPr>
+      </p:pic>
+      <p:sp>
+        <p:nvSpPr>
+          <p:cNvPr id="48" name="Retângulo 47"/>
+          <p:cNvSpPr/>
+          <p:nvPr/>
+        </p:nvSpPr>
+        <p:spPr>
+          <a:xfrm>
+            <a:off x="6104461" y="3120826"/>
+            <a:ext cx="5836527" cy="3657654"/>
+          </a:xfrm>
+          <a:prstGeom prst="rect">
+            <a:avLst/>
+          </a:prstGeom>
+          <a:noFill/>
+          <a:ln/>
+        </p:spPr>
+        <p:style>
+          <a:lnRef idx="2">
+            <a:schemeClr val="accent1"/>
+          </a:lnRef>
+          <a:fillRef idx="1">
+            <a:schemeClr val="lt1"/>
+          </a:fillRef>
+          <a:effectRef idx="0">
+            <a:schemeClr val="accent1"/>
+          </a:effectRef>
+          <a:fontRef idx="minor">
+            <a:schemeClr val="dk1"/>
+          </a:fontRef>
+        </p:style>
+        <p:txBody>
+          <a:bodyPr rtlCol="0" anchor="ctr"/>
+          <a:lstStyle/>
+          <a:p>
+            <a:pPr algn="ctr"/>
+            <a:endParaRPr lang="pt-BR"/>
+          </a:p>
+        </p:txBody>
+      </p:sp>
+      <p:pic>
+        <p:nvPicPr>
+          <p:cNvPr id="8" name="Imagem 7"/>
+          <p:cNvPicPr>
+            <a:picLocks noChangeAspect="1"/>
+          </p:cNvPicPr>
+          <p:nvPr/>
+        </p:nvPicPr>
+        <p:blipFill>
+          <a:blip r:embed="rId10" cstate="print">
+            <a:extLst>
+              <a:ext uri="{28A0092B-C50C-407E-A947-70E740481C1C}">
+                <a14:useLocalDpi xmlns:a14="http://schemas.microsoft.com/office/drawing/2010/main" val="0"/>
+              </a:ext>
+            </a:extLst>
+          </a:blip>
+          <a:stretch>
+            <a:fillRect/>
+          </a:stretch>
+        </p:blipFill>
+        <p:spPr>
+          <a:xfrm>
+            <a:off x="4789374" y="3202888"/>
+            <a:ext cx="565422" cy="434873"/>
+          </a:xfrm>
+          <a:prstGeom prst="rect">
+            <a:avLst/>
+          </a:prstGeom>
+        </p:spPr>
+      </p:pic>
+      <p:sp>
+        <p:nvSpPr>
+          <p:cNvPr id="57" name="Seta para Cima 56"/>
+          <p:cNvSpPr/>
+          <p:nvPr/>
+        </p:nvSpPr>
+        <p:spPr>
+          <a:xfrm>
+            <a:off x="4946797" y="5108091"/>
+            <a:ext cx="302341" cy="492915"/>
+          </a:xfrm>
+          <a:prstGeom prst="upArrow">
+            <a:avLst/>
+          </a:prstGeom>
+        </p:spPr>
+        <p:style>
+          <a:lnRef idx="2">
+            <a:schemeClr val="accent1">
+              <a:shade val="50000"/>
+            </a:schemeClr>
+          </a:lnRef>
+          <a:fillRef idx="1">
+            <a:schemeClr val="accent1"/>
+          </a:fillRef>
+          <a:effectRef idx="0">
+            <a:schemeClr val="accent1"/>
+          </a:effectRef>
+          <a:fontRef idx="minor">
+            <a:schemeClr val="lt1"/>
+          </a:fontRef>
+        </p:style>
+        <p:txBody>
+          <a:bodyPr rtlCol="0" anchor="ctr"/>
+          <a:lstStyle/>
+          <a:p>
+            <a:pPr algn="ctr"/>
+            <a:endParaRPr lang="pt-BR"/>
+          </a:p>
+        </p:txBody>
+      </p:sp>
+      <p:sp>
+        <p:nvSpPr>
+          <p:cNvPr id="58" name="Seta para Cima 57"/>
+          <p:cNvSpPr/>
+          <p:nvPr/>
+        </p:nvSpPr>
+        <p:spPr>
+          <a:xfrm rot="16200000">
+            <a:off x="3635921" y="3859878"/>
+            <a:ext cx="302341" cy="492915"/>
+          </a:xfrm>
+          <a:prstGeom prst="upArrow">
+            <a:avLst/>
+          </a:prstGeom>
+        </p:spPr>
+        <p:style>
+          <a:lnRef idx="2">
+            <a:schemeClr val="accent1">
+              <a:shade val="50000"/>
+            </a:schemeClr>
+          </a:lnRef>
+          <a:fillRef idx="1">
+            <a:schemeClr val="accent1"/>
+          </a:fillRef>
+          <a:effectRef idx="0">
+            <a:schemeClr val="accent1"/>
+          </a:effectRef>
+          <a:fontRef idx="minor">
+            <a:schemeClr val="lt1"/>
+          </a:fontRef>
+        </p:style>
+        <p:txBody>
+          <a:bodyPr rtlCol="0" anchor="ctr"/>
+          <a:lstStyle/>
+          <a:p>
+            <a:pPr algn="ctr"/>
+            <a:endParaRPr lang="pt-BR"/>
+          </a:p>
+        </p:txBody>
+      </p:sp>
+      <p:cxnSp>
+        <p:nvCxnSpPr>
+          <p:cNvPr id="66" name="Conector Angulado 65"/>
+          <p:cNvCxnSpPr/>
+          <p:nvPr/>
+        </p:nvCxnSpPr>
+        <p:spPr>
+          <a:xfrm rot="10800000" flipV="1">
+            <a:off x="1414843" y="3347612"/>
+            <a:ext cx="3531459" cy="346317"/>
+          </a:xfrm>
+          <a:prstGeom prst="bentConnector2">
+            <a:avLst/>
+          </a:prstGeom>
+          <a:ln>
+            <a:tailEnd type="triangle"/>
+          </a:ln>
+        </p:spPr>
+        <p:style>
+          <a:lnRef idx="1">
+            <a:schemeClr val="accent1"/>
+          </a:lnRef>
+          <a:fillRef idx="0">
+            <a:schemeClr val="accent1"/>
+          </a:fillRef>
+          <a:effectRef idx="0">
+            <a:schemeClr val="accent1"/>
+          </a:effectRef>
+          <a:fontRef idx="minor">
+            <a:schemeClr val="tx1"/>
+          </a:fontRef>
+        </p:style>
+      </p:cxnSp>
+      <p:pic>
+        <p:nvPicPr>
+          <p:cNvPr id="68" name="Imagem 67"/>
+          <p:cNvPicPr>
+            <a:picLocks noChangeAspect="1"/>
+          </p:cNvPicPr>
+          <p:nvPr/>
+        </p:nvPicPr>
+        <p:blipFill>
+          <a:blip r:embed="rId5" cstate="print">
+            <a:duotone>
+              <a:schemeClr val="accent2">
+                <a:shade val="45000"/>
+                <a:satMod val="135000"/>
+              </a:schemeClr>
+              <a:prstClr val="white"/>
+            </a:duotone>
+            <a:extLst>
+              <a:ext uri="{28A0092B-C50C-407E-A947-70E740481C1C}">
+                <a14:useLocalDpi xmlns:a14="http://schemas.microsoft.com/office/drawing/2010/main" val="0"/>
+              </a:ext>
+            </a:extLst>
+          </a:blip>
+          <a:stretch>
+            <a:fillRect/>
+          </a:stretch>
+        </p:blipFill>
+        <p:spPr>
+          <a:xfrm>
+            <a:off x="6471031" y="4749509"/>
+            <a:ext cx="1466563" cy="1158286"/>
+          </a:xfrm>
+          <a:prstGeom prst="rect">
+            <a:avLst/>
+          </a:prstGeom>
+        </p:spPr>
+      </p:pic>
+      <p:pic>
+        <p:nvPicPr>
+          <p:cNvPr id="69" name="Imagem 68"/>
+          <p:cNvPicPr>
+            <a:picLocks noChangeAspect="1"/>
+          </p:cNvPicPr>
+          <p:nvPr/>
+        </p:nvPicPr>
+        <p:blipFill>
+          <a:blip r:embed="rId11" cstate="print">
+            <a:extLst>
+              <a:ext uri="{28A0092B-C50C-407E-A947-70E740481C1C}">
+                <a14:useLocalDpi xmlns:a14="http://schemas.microsoft.com/office/drawing/2010/main" val="0"/>
+              </a:ext>
+            </a:extLst>
+          </a:blip>
+          <a:stretch>
+            <a:fillRect/>
+          </a:stretch>
+        </p:blipFill>
+        <p:spPr>
+          <a:xfrm>
+            <a:off x="683757" y="3771589"/>
+            <a:ext cx="1076489" cy="959651"/>
+          </a:xfrm>
+          <a:prstGeom prst="rect">
+            <a:avLst/>
+          </a:prstGeom>
+        </p:spPr>
+      </p:pic>
+      <p:sp>
+        <p:nvSpPr>
+          <p:cNvPr id="72" name="Retângulo 71"/>
+          <p:cNvSpPr/>
+          <p:nvPr/>
+        </p:nvSpPr>
+        <p:spPr>
+          <a:xfrm>
+            <a:off x="2333767" y="178462"/>
+            <a:ext cx="8024884" cy="1953279"/>
+          </a:xfrm>
+          <a:prstGeom prst="rect">
+            <a:avLst/>
+          </a:prstGeom>
+          <a:noFill/>
+          <a:ln/>
+        </p:spPr>
+        <p:style>
+          <a:lnRef idx="2">
+            <a:schemeClr val="accent1"/>
+          </a:lnRef>
+          <a:fillRef idx="1">
+            <a:schemeClr val="lt1"/>
+          </a:fillRef>
+          <a:effectRef idx="0">
+            <a:schemeClr val="accent1"/>
+          </a:effectRef>
+          <a:fontRef idx="minor">
+            <a:schemeClr val="dk1"/>
+          </a:fontRef>
+        </p:style>
+        <p:txBody>
+          <a:bodyPr rtlCol="0" anchor="ctr"/>
+          <a:lstStyle/>
+          <a:p>
+            <a:pPr algn="ctr"/>
+            <a:endParaRPr lang="pt-BR"/>
+          </a:p>
+        </p:txBody>
+      </p:sp>
+      <p:pic>
+        <p:nvPicPr>
+          <p:cNvPr id="73" name="Imagem 72"/>
+          <p:cNvPicPr>
+            <a:picLocks noChangeAspect="1"/>
+          </p:cNvPicPr>
+          <p:nvPr/>
+        </p:nvPicPr>
+        <p:blipFill>
+          <a:blip r:embed="rId12" cstate="print">
+            <a:extLst>
+              <a:ext uri="{28A0092B-C50C-407E-A947-70E740481C1C}">
+                <a14:useLocalDpi xmlns:a14="http://schemas.microsoft.com/office/drawing/2010/main" val="0"/>
+              </a:ext>
+            </a:extLst>
+          </a:blip>
+          <a:stretch>
+            <a:fillRect/>
+          </a:stretch>
+        </p:blipFill>
+        <p:spPr>
+          <a:xfrm>
+            <a:off x="3327503" y="716192"/>
+            <a:ext cx="1412091" cy="1290201"/>
+          </a:xfrm>
+          <a:prstGeom prst="rect">
+            <a:avLst/>
+          </a:prstGeom>
+        </p:spPr>
+      </p:pic>
+      <p:cxnSp>
+        <p:nvCxnSpPr>
+          <p:cNvPr id="76" name="Conector Angulado 75"/>
+          <p:cNvCxnSpPr>
+            <a:stCxn id="69" idx="0"/>
+            <a:endCxn id="78" idx="1"/>
+          </p:cNvCxnSpPr>
+          <p:nvPr/>
+        </p:nvCxnSpPr>
+        <p:spPr>
+          <a:xfrm rot="5400000" flipH="1" flipV="1">
+            <a:off x="2722847" y="977176"/>
+            <a:ext cx="1293569" cy="4295258"/>
+          </a:xfrm>
+          <a:prstGeom prst="bentConnector2">
+            <a:avLst/>
+          </a:prstGeom>
+          <a:ln>
+            <a:tailEnd type="triangle"/>
+          </a:ln>
+        </p:spPr>
+        <p:style>
+          <a:lnRef idx="1">
+            <a:schemeClr val="accent1"/>
+          </a:lnRef>
+          <a:fillRef idx="0">
+            <a:schemeClr val="accent1"/>
+          </a:fillRef>
+          <a:effectRef idx="0">
+            <a:schemeClr val="accent1"/>
+          </a:effectRef>
+          <a:fontRef idx="minor">
+            <a:schemeClr val="tx1"/>
+          </a:fontRef>
+        </p:style>
+      </p:cxnSp>
+      <p:pic>
+        <p:nvPicPr>
+          <p:cNvPr id="78" name="Imagem 77"/>
+          <p:cNvPicPr>
+            <a:picLocks noChangeAspect="1"/>
+          </p:cNvPicPr>
+          <p:nvPr/>
+        </p:nvPicPr>
+        <p:blipFill>
+          <a:blip r:embed="rId13" cstate="print">
+            <a:extLst>
+              <a:ext uri="{28A0092B-C50C-407E-A947-70E740481C1C}">
+                <a14:useLocalDpi xmlns:a14="http://schemas.microsoft.com/office/drawing/2010/main" val="0"/>
+              </a:ext>
+            </a:extLst>
+          </a:blip>
+          <a:stretch>
+            <a:fillRect/>
+          </a:stretch>
+        </p:blipFill>
+        <p:spPr>
+          <a:xfrm>
+            <a:off x="5517260" y="1984105"/>
+            <a:ext cx="987829" cy="987829"/>
+          </a:xfrm>
+          <a:prstGeom prst="rect">
+            <a:avLst/>
+          </a:prstGeom>
+        </p:spPr>
+      </p:pic>
+      <p:pic>
+        <p:nvPicPr>
+          <p:cNvPr id="82" name="Imagem 81"/>
+          <p:cNvPicPr>
+            <a:picLocks noChangeAspect="1"/>
+          </p:cNvPicPr>
+          <p:nvPr/>
+        </p:nvPicPr>
+        <p:blipFill>
+          <a:blip r:embed="rId14" cstate="print">
+            <a:extLst>
+              <a:ext uri="{28A0092B-C50C-407E-A947-70E740481C1C}">
+                <a14:useLocalDpi xmlns:a14="http://schemas.microsoft.com/office/drawing/2010/main" val="0"/>
+              </a:ext>
+            </a:extLst>
+          </a:blip>
+          <a:stretch>
+            <a:fillRect/>
+          </a:stretch>
+        </p:blipFill>
+        <p:spPr>
+          <a:xfrm>
+            <a:off x="3083691" y="171518"/>
+            <a:ext cx="1705683" cy="493049"/>
+          </a:xfrm>
+          <a:prstGeom prst="rect">
+            <a:avLst/>
+          </a:prstGeom>
+        </p:spPr>
+      </p:pic>
+      <p:pic>
+        <p:nvPicPr>
+          <p:cNvPr id="83" name="Imagem 82"/>
+          <p:cNvPicPr>
+            <a:picLocks noChangeAspect="1"/>
+          </p:cNvPicPr>
+          <p:nvPr/>
+        </p:nvPicPr>
+        <p:blipFill>
+          <a:blip r:embed="rId15" cstate="print">
+            <a:extLst>
+              <a:ext uri="{28A0092B-C50C-407E-A947-70E740481C1C}">
+                <a14:useLocalDpi xmlns:a14="http://schemas.microsoft.com/office/drawing/2010/main" val="0"/>
+              </a:ext>
+            </a:extLst>
+          </a:blip>
+          <a:stretch>
+            <a:fillRect/>
+          </a:stretch>
+        </p:blipFill>
+        <p:spPr>
+          <a:xfrm>
+            <a:off x="5710512" y="663540"/>
+            <a:ext cx="1243281" cy="1246119"/>
+          </a:xfrm>
+          <a:prstGeom prst="rect">
+            <a:avLst/>
+          </a:prstGeom>
+        </p:spPr>
+      </p:pic>
+      <p:sp>
+        <p:nvSpPr>
+          <p:cNvPr id="84" name="CaixaDeTexto 83"/>
+          <p:cNvSpPr txBox="1"/>
+          <p:nvPr/>
+        </p:nvSpPr>
+        <p:spPr>
+          <a:xfrm>
+            <a:off x="2456597" y="682388"/>
+            <a:ext cx="862848" cy="923330"/>
+          </a:xfrm>
+          <a:prstGeom prst="rect">
+            <a:avLst/>
+          </a:prstGeom>
+          <a:noFill/>
+        </p:spPr>
+        <p:txBody>
+          <a:bodyPr wrap="square" rtlCol="0">
+            <a:spAutoFit/>
+          </a:bodyPr>
+          <a:lstStyle/>
+          <a:p>
+            <a:r>
+              <a:rPr lang="pt-BR" dirty="0" smtClean="0"/>
+              <a:t>BD SQL Server</a:t>
+            </a:r>
+            <a:endParaRPr lang="pt-BR" dirty="0"/>
+          </a:p>
+        </p:txBody>
+      </p:sp>
+      <p:pic>
+        <p:nvPicPr>
+          <p:cNvPr id="86" name="Imagem 85"/>
+          <p:cNvPicPr>
+            <a:picLocks noChangeAspect="1"/>
+          </p:cNvPicPr>
+          <p:nvPr/>
+        </p:nvPicPr>
+        <p:blipFill>
+          <a:blip r:embed="rId8" cstate="print">
+            <a:extLst>
+              <a:ext uri="{28A0092B-C50C-407E-A947-70E740481C1C}">
+                <a14:useLocalDpi xmlns:a14="http://schemas.microsoft.com/office/drawing/2010/main" val="0"/>
+              </a:ext>
+            </a:extLst>
+          </a:blip>
+          <a:stretch>
+            <a:fillRect/>
+          </a:stretch>
+        </p:blipFill>
+        <p:spPr>
+          <a:xfrm>
+            <a:off x="7931105" y="151597"/>
+            <a:ext cx="1221509" cy="747156"/>
+          </a:xfrm>
+          <a:prstGeom prst="rect">
+            <a:avLst/>
+          </a:prstGeom>
+        </p:spPr>
+      </p:pic>
+      <p:pic>
+        <p:nvPicPr>
+          <p:cNvPr id="90" name="Imagem 89"/>
+          <p:cNvPicPr>
+            <a:picLocks noChangeAspect="1"/>
+          </p:cNvPicPr>
+          <p:nvPr/>
+        </p:nvPicPr>
+        <p:blipFill>
+          <a:blip r:embed="rId16" cstate="print">
+            <a:extLst>
+              <a:ext uri="{28A0092B-C50C-407E-A947-70E740481C1C}">
+                <a14:useLocalDpi xmlns:a14="http://schemas.microsoft.com/office/drawing/2010/main" val="0"/>
+              </a:ext>
+            </a:extLst>
+          </a:blip>
+          <a:stretch>
+            <a:fillRect/>
+          </a:stretch>
+        </p:blipFill>
+        <p:spPr>
+          <a:xfrm>
+            <a:off x="9321286" y="986468"/>
+            <a:ext cx="727970" cy="1027478"/>
+          </a:xfrm>
+          <a:prstGeom prst="rect">
+            <a:avLst/>
+          </a:prstGeom>
+        </p:spPr>
+      </p:pic>
+      <p:pic>
+        <p:nvPicPr>
+          <p:cNvPr id="92" name="Imagem 91"/>
+          <p:cNvPicPr>
+            <a:picLocks noChangeAspect="1"/>
+          </p:cNvPicPr>
+          <p:nvPr/>
+        </p:nvPicPr>
+        <p:blipFill>
+          <a:blip r:embed="rId17" cstate="print">
+            <a:extLst>
+              <a:ext uri="{28A0092B-C50C-407E-A947-70E740481C1C}">
+                <a14:useLocalDpi xmlns:a14="http://schemas.microsoft.com/office/drawing/2010/main" val="0"/>
+              </a:ext>
+            </a:extLst>
+          </a:blip>
+          <a:stretch>
+            <a:fillRect/>
+          </a:stretch>
+        </p:blipFill>
+        <p:spPr>
+          <a:xfrm>
+            <a:off x="8270934" y="898753"/>
+            <a:ext cx="813144" cy="1145273"/>
+          </a:xfrm>
+          <a:prstGeom prst="rect">
+            <a:avLst/>
+          </a:prstGeom>
+        </p:spPr>
+      </p:pic>
+      <p:pic>
+        <p:nvPicPr>
+          <p:cNvPr id="93" name="Imagem 92"/>
+          <p:cNvPicPr>
+            <a:picLocks noChangeAspect="1"/>
+          </p:cNvPicPr>
+          <p:nvPr/>
+        </p:nvPicPr>
+        <p:blipFill>
+          <a:blip r:embed="rId18">
+            <a:extLst>
+              <a:ext uri="{28A0092B-C50C-407E-A947-70E740481C1C}">
+                <a14:useLocalDpi xmlns:a14="http://schemas.microsoft.com/office/drawing/2010/main" val="0"/>
+              </a:ext>
+            </a:extLst>
+          </a:blip>
+          <a:stretch>
+            <a:fillRect/>
+          </a:stretch>
+        </p:blipFill>
+        <p:spPr>
+          <a:xfrm>
+            <a:off x="7272081" y="898753"/>
+            <a:ext cx="834097" cy="1178328"/>
           </a:xfrm>
           <a:prstGeom prst="rect">
             <a:avLst/>

--- a/documentacao/Arquitetura-de-TI/HLD-LLD.pptx
+++ b/documentacao/Arquitetura-de-TI/HLD-LLD.pptx
@@ -259,7 +259,7 @@
           <a:p>
             <a:fld id="{82869B3E-A76A-4689-B656-33BE798491C8}" type="datetimeFigureOut">
               <a:rPr lang="pt-BR" smtClean="0"/>
-              <a:t>21/11/2019</a:t>
+              <a:t>25/11/2019</a:t>
             </a:fld>
             <a:endParaRPr lang="pt-BR"/>
           </a:p>
@@ -429,7 +429,7 @@
           <a:p>
             <a:fld id="{82869B3E-A76A-4689-B656-33BE798491C8}" type="datetimeFigureOut">
               <a:rPr lang="pt-BR" smtClean="0"/>
-              <a:t>21/11/2019</a:t>
+              <a:t>25/11/2019</a:t>
             </a:fld>
             <a:endParaRPr lang="pt-BR"/>
           </a:p>
@@ -609,7 +609,7 @@
           <a:p>
             <a:fld id="{82869B3E-A76A-4689-B656-33BE798491C8}" type="datetimeFigureOut">
               <a:rPr lang="pt-BR" smtClean="0"/>
-              <a:t>21/11/2019</a:t>
+              <a:t>25/11/2019</a:t>
             </a:fld>
             <a:endParaRPr lang="pt-BR"/>
           </a:p>
@@ -1415,7 +1415,7 @@
           <a:p>
             <a:fld id="{82869B3E-A76A-4689-B656-33BE798491C8}" type="datetimeFigureOut">
               <a:rPr lang="pt-BR" smtClean="0"/>
-              <a:t>21/11/2019</a:t>
+              <a:t>25/11/2019</a:t>
             </a:fld>
             <a:endParaRPr lang="pt-BR"/>
           </a:p>
@@ -1585,7 +1585,7 @@
           <a:p>
             <a:fld id="{82869B3E-A76A-4689-B656-33BE798491C8}" type="datetimeFigureOut">
               <a:rPr lang="pt-BR" smtClean="0"/>
-              <a:t>21/11/2019</a:t>
+              <a:t>25/11/2019</a:t>
             </a:fld>
             <a:endParaRPr lang="pt-BR"/>
           </a:p>
@@ -1832,7 +1832,7 @@
           <a:p>
             <a:fld id="{82869B3E-A76A-4689-B656-33BE798491C8}" type="datetimeFigureOut">
               <a:rPr lang="pt-BR" smtClean="0"/>
-              <a:t>21/11/2019</a:t>
+              <a:t>25/11/2019</a:t>
             </a:fld>
             <a:endParaRPr lang="pt-BR"/>
           </a:p>
@@ -2064,7 +2064,7 @@
           <a:p>
             <a:fld id="{82869B3E-A76A-4689-B656-33BE798491C8}" type="datetimeFigureOut">
               <a:rPr lang="pt-BR" smtClean="0"/>
-              <a:t>21/11/2019</a:t>
+              <a:t>25/11/2019</a:t>
             </a:fld>
             <a:endParaRPr lang="pt-BR"/>
           </a:p>
@@ -2438,7 +2438,7 @@
           <a:p>
             <a:fld id="{82869B3E-A76A-4689-B656-33BE798491C8}" type="datetimeFigureOut">
               <a:rPr lang="pt-BR" smtClean="0"/>
-              <a:t>21/11/2019</a:t>
+              <a:t>25/11/2019</a:t>
             </a:fld>
             <a:endParaRPr lang="pt-BR"/>
           </a:p>
@@ -2561,7 +2561,7 @@
           <a:p>
             <a:fld id="{82869B3E-A76A-4689-B656-33BE798491C8}" type="datetimeFigureOut">
               <a:rPr lang="pt-BR" smtClean="0"/>
-              <a:t>21/11/2019</a:t>
+              <a:t>25/11/2019</a:t>
             </a:fld>
             <a:endParaRPr lang="pt-BR"/>
           </a:p>
@@ -2656,7 +2656,7 @@
           <a:p>
             <a:fld id="{82869B3E-A76A-4689-B656-33BE798491C8}" type="datetimeFigureOut">
               <a:rPr lang="pt-BR" smtClean="0"/>
-              <a:t>21/11/2019</a:t>
+              <a:t>25/11/2019</a:t>
             </a:fld>
             <a:endParaRPr lang="pt-BR"/>
           </a:p>
@@ -2911,7 +2911,7 @@
           <a:p>
             <a:fld id="{82869B3E-A76A-4689-B656-33BE798491C8}" type="datetimeFigureOut">
               <a:rPr lang="pt-BR" smtClean="0"/>
-              <a:t>21/11/2019</a:t>
+              <a:t>25/11/2019</a:t>
             </a:fld>
             <a:endParaRPr lang="pt-BR"/>
           </a:p>
@@ -3081,7 +3081,7 @@
           <a:p>
             <a:fld id="{82869B3E-A76A-4689-B656-33BE798491C8}" type="datetimeFigureOut">
               <a:rPr lang="pt-BR" smtClean="0"/>
-              <a:t>21/11/2019</a:t>
+              <a:t>25/11/2019</a:t>
             </a:fld>
             <a:endParaRPr lang="pt-BR"/>
           </a:p>
@@ -3386,7 +3386,7 @@
           <a:p>
             <a:fld id="{82869B3E-A76A-4689-B656-33BE798491C8}" type="datetimeFigureOut">
               <a:rPr lang="pt-BR" smtClean="0"/>
-              <a:t>21/11/2019</a:t>
+              <a:t>25/11/2019</a:t>
             </a:fld>
             <a:endParaRPr lang="pt-BR"/>
           </a:p>
@@ -3595,7 +3595,7 @@
           <a:p>
             <a:fld id="{82869B3E-A76A-4689-B656-33BE798491C8}" type="datetimeFigureOut">
               <a:rPr lang="pt-BR" smtClean="0"/>
-              <a:t>21/11/2019</a:t>
+              <a:t>25/11/2019</a:t>
             </a:fld>
             <a:endParaRPr lang="pt-BR"/>
           </a:p>
@@ -3909,7 +3909,7 @@
           <a:p>
             <a:fld id="{82869B3E-A76A-4689-B656-33BE798491C8}" type="datetimeFigureOut">
               <a:rPr lang="pt-BR" smtClean="0"/>
-              <a:t>21/11/2019</a:t>
+              <a:t>25/11/2019</a:t>
             </a:fld>
             <a:endParaRPr lang="pt-BR"/>
           </a:p>
@@ -4242,7 +4242,7 @@
           <a:p>
             <a:fld id="{82869B3E-A76A-4689-B656-33BE798491C8}" type="datetimeFigureOut">
               <a:rPr lang="pt-BR" smtClean="0"/>
-              <a:t>21/11/2019</a:t>
+              <a:t>25/11/2019</a:t>
             </a:fld>
             <a:endParaRPr lang="pt-BR"/>
           </a:p>
@@ -4556,7 +4556,7 @@
           <a:p>
             <a:fld id="{82869B3E-A76A-4689-B656-33BE798491C8}" type="datetimeFigureOut">
               <a:rPr lang="pt-BR" smtClean="0"/>
-              <a:t>21/11/2019</a:t>
+              <a:t>25/11/2019</a:t>
             </a:fld>
             <a:endParaRPr lang="pt-BR"/>
           </a:p>
@@ -4949,7 +4949,7 @@
           <a:p>
             <a:fld id="{82869B3E-A76A-4689-B656-33BE798491C8}" type="datetimeFigureOut">
               <a:rPr lang="pt-BR" smtClean="0"/>
-              <a:t>21/11/2019</a:t>
+              <a:t>25/11/2019</a:t>
             </a:fld>
             <a:endParaRPr lang="pt-BR"/>
           </a:p>
@@ -5119,7 +5119,7 @@
           <a:p>
             <a:fld id="{82869B3E-A76A-4689-B656-33BE798491C8}" type="datetimeFigureOut">
               <a:rPr lang="pt-BR" smtClean="0"/>
-              <a:t>21/11/2019</a:t>
+              <a:t>25/11/2019</a:t>
             </a:fld>
             <a:endParaRPr lang="pt-BR"/>
           </a:p>
@@ -5299,7 +5299,7 @@
           <a:p>
             <a:fld id="{82869B3E-A76A-4689-B656-33BE798491C8}" type="datetimeFigureOut">
               <a:rPr lang="pt-BR" smtClean="0"/>
-              <a:t>21/11/2019</a:t>
+              <a:t>25/11/2019</a:t>
             </a:fld>
             <a:endParaRPr lang="pt-BR"/>
           </a:p>
@@ -5550,7 +5550,7 @@
           <a:p>
             <a:fld id="{82869B3E-A76A-4689-B656-33BE798491C8}" type="datetimeFigureOut">
               <a:rPr lang="pt-BR" smtClean="0"/>
-              <a:t>21/11/2019</a:t>
+              <a:t>25/11/2019</a:t>
             </a:fld>
             <a:endParaRPr lang="pt-BR"/>
           </a:p>
@@ -5782,7 +5782,7 @@
           <a:p>
             <a:fld id="{82869B3E-A76A-4689-B656-33BE798491C8}" type="datetimeFigureOut">
               <a:rPr lang="pt-BR" smtClean="0"/>
-              <a:t>21/11/2019</a:t>
+              <a:t>25/11/2019</a:t>
             </a:fld>
             <a:endParaRPr lang="pt-BR"/>
           </a:p>
@@ -6129,7 +6129,7 @@
           <a:p>
             <a:fld id="{82869B3E-A76A-4689-B656-33BE798491C8}" type="datetimeFigureOut">
               <a:rPr lang="pt-BR" smtClean="0"/>
-              <a:t>21/11/2019</a:t>
+              <a:t>25/11/2019</a:t>
             </a:fld>
             <a:endParaRPr lang="pt-BR"/>
           </a:p>
@@ -6247,7 +6247,7 @@
           <a:p>
             <a:fld id="{82869B3E-A76A-4689-B656-33BE798491C8}" type="datetimeFigureOut">
               <a:rPr lang="pt-BR" smtClean="0"/>
-              <a:t>21/11/2019</a:t>
+              <a:t>25/11/2019</a:t>
             </a:fld>
             <a:endParaRPr lang="pt-BR"/>
           </a:p>
@@ -6365,7 +6365,7 @@
           <a:p>
             <a:fld id="{82869B3E-A76A-4689-B656-33BE798491C8}" type="datetimeFigureOut">
               <a:rPr lang="pt-BR" smtClean="0"/>
-              <a:t>21/11/2019</a:t>
+              <a:t>25/11/2019</a:t>
             </a:fld>
             <a:endParaRPr lang="pt-BR"/>
           </a:p>
@@ -6649,7 +6649,7 @@
           <a:p>
             <a:fld id="{82869B3E-A76A-4689-B656-33BE798491C8}" type="datetimeFigureOut">
               <a:rPr lang="pt-BR" smtClean="0"/>
-              <a:t>21/11/2019</a:t>
+              <a:t>25/11/2019</a:t>
             </a:fld>
             <a:endParaRPr lang="pt-BR"/>
           </a:p>
@@ -6913,7 +6913,7 @@
           <a:p>
             <a:fld id="{82869B3E-A76A-4689-B656-33BE798491C8}" type="datetimeFigureOut">
               <a:rPr lang="pt-BR" smtClean="0"/>
-              <a:t>21/11/2019</a:t>
+              <a:t>25/11/2019</a:t>
             </a:fld>
             <a:endParaRPr lang="pt-BR"/>
           </a:p>
@@ -7150,7 +7150,7 @@
           <a:p>
             <a:fld id="{82869B3E-A76A-4689-B656-33BE798491C8}" type="datetimeFigureOut">
               <a:rPr lang="pt-BR" smtClean="0"/>
-              <a:t>21/11/2019</a:t>
+              <a:t>25/11/2019</a:t>
             </a:fld>
             <a:endParaRPr lang="pt-BR"/>
           </a:p>
@@ -8210,7 +8210,7 @@
           <a:p>
             <a:fld id="{82869B3E-A76A-4689-B656-33BE798491C8}" type="datetimeFigureOut">
               <a:rPr lang="pt-BR" smtClean="0"/>
-              <a:t>21/11/2019</a:t>
+              <a:t>25/11/2019</a:t>
             </a:fld>
             <a:endParaRPr lang="pt-BR"/>
           </a:p>
@@ -11279,6 +11279,603 @@
           </a:prstGeom>
         </p:spPr>
       </p:pic>
+      <p:pic>
+        <p:nvPicPr>
+          <p:cNvPr id="30" name="Imagem 29"/>
+          <p:cNvPicPr>
+            <a:picLocks noChangeAspect="1"/>
+          </p:cNvPicPr>
+          <p:nvPr/>
+        </p:nvPicPr>
+        <p:blipFill>
+          <a:blip r:embed="rId11" cstate="print">
+            <a:extLst>
+              <a:ext uri="{28A0092B-C50C-407E-A947-70E740481C1C}">
+                <a14:useLocalDpi xmlns:a14="http://schemas.microsoft.com/office/drawing/2010/main" val="0"/>
+              </a:ext>
+            </a:extLst>
+          </a:blip>
+          <a:stretch>
+            <a:fillRect/>
+          </a:stretch>
+        </p:blipFill>
+        <p:spPr>
+          <a:xfrm flipH="1">
+            <a:off x="7232657" y="2225973"/>
+            <a:ext cx="912944" cy="813857"/>
+          </a:xfrm>
+          <a:prstGeom prst="rect">
+            <a:avLst/>
+          </a:prstGeom>
+        </p:spPr>
+      </p:pic>
+      <p:pic>
+        <p:nvPicPr>
+          <p:cNvPr id="6" name="Imagem 5"/>
+          <p:cNvPicPr>
+            <a:picLocks noChangeAspect="1"/>
+          </p:cNvPicPr>
+          <p:nvPr/>
+        </p:nvPicPr>
+        <p:blipFill>
+          <a:blip r:embed="rId19" cstate="print">
+            <a:duotone>
+              <a:schemeClr val="accent2">
+                <a:shade val="45000"/>
+                <a:satMod val="135000"/>
+              </a:schemeClr>
+              <a:prstClr val="white"/>
+            </a:duotone>
+            <a:extLst>
+              <a:ext uri="{28A0092B-C50C-407E-A947-70E740481C1C}">
+                <a14:useLocalDpi xmlns:a14="http://schemas.microsoft.com/office/drawing/2010/main" val="0"/>
+              </a:ext>
+            </a:extLst>
+          </a:blip>
+          <a:stretch>
+            <a:fillRect/>
+          </a:stretch>
+        </p:blipFill>
+        <p:spPr>
+          <a:xfrm>
+            <a:off x="8138994" y="4711024"/>
+            <a:ext cx="1188237" cy="1188237"/>
+          </a:xfrm>
+          <a:prstGeom prst="rect">
+            <a:avLst/>
+          </a:prstGeom>
+        </p:spPr>
+      </p:pic>
+      <p:pic>
+        <p:nvPicPr>
+          <p:cNvPr id="7" name="Imagem 6"/>
+          <p:cNvPicPr>
+            <a:picLocks noChangeAspect="1"/>
+          </p:cNvPicPr>
+          <p:nvPr/>
+        </p:nvPicPr>
+        <p:blipFill>
+          <a:blip r:embed="rId20" cstate="print">
+            <a:duotone>
+              <a:schemeClr val="accent2">
+                <a:shade val="45000"/>
+                <a:satMod val="135000"/>
+              </a:schemeClr>
+              <a:prstClr val="white"/>
+            </a:duotone>
+            <a:extLst>
+              <a:ext uri="{28A0092B-C50C-407E-A947-70E740481C1C}">
+                <a14:useLocalDpi xmlns:a14="http://schemas.microsoft.com/office/drawing/2010/main" val="0"/>
+              </a:ext>
+            </a:extLst>
+          </a:blip>
+          <a:stretch>
+            <a:fillRect/>
+          </a:stretch>
+        </p:blipFill>
+        <p:spPr>
+          <a:xfrm>
+            <a:off x="9344345" y="4692053"/>
+            <a:ext cx="1189891" cy="1189891"/>
+          </a:xfrm>
+          <a:prstGeom prst="rect">
+            <a:avLst/>
+          </a:prstGeom>
+        </p:spPr>
+      </p:pic>
+      <p:pic>
+        <p:nvPicPr>
+          <p:cNvPr id="34" name="Imagem 33"/>
+          <p:cNvPicPr>
+            <a:picLocks noChangeAspect="1"/>
+          </p:cNvPicPr>
+          <p:nvPr/>
+        </p:nvPicPr>
+        <p:blipFill>
+          <a:blip r:embed="rId10" cstate="print">
+            <a:extLst>
+              <a:ext uri="{28A0092B-C50C-407E-A947-70E740481C1C}">
+                <a14:useLocalDpi xmlns:a14="http://schemas.microsoft.com/office/drawing/2010/main" val="0"/>
+              </a:ext>
+            </a:extLst>
+          </a:blip>
+          <a:stretch>
+            <a:fillRect/>
+          </a:stretch>
+        </p:blipFill>
+        <p:spPr>
+          <a:xfrm>
+            <a:off x="6921601" y="4207750"/>
+            <a:ext cx="565422" cy="434873"/>
+          </a:xfrm>
+          <a:prstGeom prst="rect">
+            <a:avLst/>
+          </a:prstGeom>
+        </p:spPr>
+      </p:pic>
+      <p:pic>
+        <p:nvPicPr>
+          <p:cNvPr id="35" name="Imagem 34"/>
+          <p:cNvPicPr>
+            <a:picLocks noChangeAspect="1"/>
+          </p:cNvPicPr>
+          <p:nvPr/>
+        </p:nvPicPr>
+        <p:blipFill>
+          <a:blip r:embed="rId10" cstate="print">
+            <a:extLst>
+              <a:ext uri="{28A0092B-C50C-407E-A947-70E740481C1C}">
+                <a14:useLocalDpi xmlns:a14="http://schemas.microsoft.com/office/drawing/2010/main" val="0"/>
+              </a:ext>
+            </a:extLst>
+          </a:blip>
+          <a:stretch>
+            <a:fillRect/>
+          </a:stretch>
+        </p:blipFill>
+        <p:spPr>
+          <a:xfrm>
+            <a:off x="8450401" y="4201705"/>
+            <a:ext cx="565422" cy="434873"/>
+          </a:xfrm>
+          <a:prstGeom prst="rect">
+            <a:avLst/>
+          </a:prstGeom>
+        </p:spPr>
+      </p:pic>
+      <p:pic>
+        <p:nvPicPr>
+          <p:cNvPr id="36" name="Imagem 35"/>
+          <p:cNvPicPr>
+            <a:picLocks noChangeAspect="1"/>
+          </p:cNvPicPr>
+          <p:nvPr/>
+        </p:nvPicPr>
+        <p:blipFill>
+          <a:blip r:embed="rId10" cstate="print">
+            <a:extLst>
+              <a:ext uri="{28A0092B-C50C-407E-A947-70E740481C1C}">
+                <a14:useLocalDpi xmlns:a14="http://schemas.microsoft.com/office/drawing/2010/main" val="0"/>
+              </a:ext>
+            </a:extLst>
+          </a:blip>
+          <a:stretch>
+            <a:fillRect/>
+          </a:stretch>
+        </p:blipFill>
+        <p:spPr>
+          <a:xfrm>
+            <a:off x="9696490" y="4182734"/>
+            <a:ext cx="565422" cy="434873"/>
+          </a:xfrm>
+          <a:prstGeom prst="rect">
+            <a:avLst/>
+          </a:prstGeom>
+        </p:spPr>
+      </p:pic>
+      <p:pic>
+        <p:nvPicPr>
+          <p:cNvPr id="10" name="Imagem 9"/>
+          <p:cNvPicPr>
+            <a:picLocks noChangeAspect="1"/>
+          </p:cNvPicPr>
+          <p:nvPr/>
+        </p:nvPicPr>
+        <p:blipFill>
+          <a:blip r:embed="rId21" cstate="print">
+            <a:extLst>
+              <a:ext uri="{28A0092B-C50C-407E-A947-70E740481C1C}">
+                <a14:useLocalDpi xmlns:a14="http://schemas.microsoft.com/office/drawing/2010/main" val="0"/>
+              </a:ext>
+            </a:extLst>
+          </a:blip>
+          <a:stretch>
+            <a:fillRect/>
+          </a:stretch>
+        </p:blipFill>
+        <p:spPr>
+          <a:xfrm>
+            <a:off x="6410220" y="5988791"/>
+            <a:ext cx="515096" cy="515096"/>
+          </a:xfrm>
+          <a:prstGeom prst="rect">
+            <a:avLst/>
+          </a:prstGeom>
+        </p:spPr>
+      </p:pic>
+      <p:pic>
+        <p:nvPicPr>
+          <p:cNvPr id="11" name="Imagem 10"/>
+          <p:cNvPicPr>
+            <a:picLocks noChangeAspect="1"/>
+          </p:cNvPicPr>
+          <p:nvPr/>
+        </p:nvPicPr>
+        <p:blipFill>
+          <a:blip r:embed="rId22" cstate="print">
+            <a:extLst>
+              <a:ext uri="{28A0092B-C50C-407E-A947-70E740481C1C}">
+                <a14:useLocalDpi xmlns:a14="http://schemas.microsoft.com/office/drawing/2010/main" val="0"/>
+              </a:ext>
+            </a:extLst>
+          </a:blip>
+          <a:stretch>
+            <a:fillRect/>
+          </a:stretch>
+        </p:blipFill>
+        <p:spPr>
+          <a:xfrm>
+            <a:off x="7027998" y="6002160"/>
+            <a:ext cx="521355" cy="538291"/>
+          </a:xfrm>
+          <a:prstGeom prst="rect">
+            <a:avLst/>
+          </a:prstGeom>
+        </p:spPr>
+      </p:pic>
+      <p:pic>
+        <p:nvPicPr>
+          <p:cNvPr id="12" name="Imagem 11"/>
+          <p:cNvPicPr>
+            <a:picLocks noChangeAspect="1"/>
+          </p:cNvPicPr>
+          <p:nvPr/>
+        </p:nvPicPr>
+        <p:blipFill>
+          <a:blip r:embed="rId23" cstate="print">
+            <a:extLst>
+              <a:ext uri="{28A0092B-C50C-407E-A947-70E740481C1C}">
+                <a14:useLocalDpi xmlns:a14="http://schemas.microsoft.com/office/drawing/2010/main" val="0"/>
+              </a:ext>
+            </a:extLst>
+          </a:blip>
+          <a:stretch>
+            <a:fillRect/>
+          </a:stretch>
+        </p:blipFill>
+        <p:spPr>
+          <a:xfrm>
+            <a:off x="7652035" y="6021636"/>
+            <a:ext cx="478062" cy="509827"/>
+          </a:xfrm>
+          <a:prstGeom prst="rect">
+            <a:avLst/>
+          </a:prstGeom>
+        </p:spPr>
+      </p:pic>
+      <p:pic>
+        <p:nvPicPr>
+          <p:cNvPr id="13" name="Imagem 12"/>
+          <p:cNvPicPr>
+            <a:picLocks noChangeAspect="1"/>
+          </p:cNvPicPr>
+          <p:nvPr/>
+        </p:nvPicPr>
+        <p:blipFill rotWithShape="1">
+          <a:blip r:embed="rId24" cstate="print">
+            <a:extLst>
+              <a:ext uri="{28A0092B-C50C-407E-A947-70E740481C1C}">
+                <a14:useLocalDpi xmlns:a14="http://schemas.microsoft.com/office/drawing/2010/main" val="0"/>
+              </a:ext>
+            </a:extLst>
+          </a:blip>
+          <a:srcRect l="4682" t="21090" r="5464" b="21872"/>
+          <a:stretch/>
+        </p:blipFill>
+        <p:spPr>
+          <a:xfrm>
+            <a:off x="6680839" y="4798947"/>
+            <a:ext cx="1008290" cy="640045"/>
+          </a:xfrm>
+          <a:prstGeom prst="rect">
+            <a:avLst/>
+          </a:prstGeom>
+        </p:spPr>
+      </p:pic>
+      <p:pic>
+        <p:nvPicPr>
+          <p:cNvPr id="41" name="Imagem 40"/>
+          <p:cNvPicPr>
+            <a:picLocks noChangeAspect="1"/>
+          </p:cNvPicPr>
+          <p:nvPr/>
+        </p:nvPicPr>
+        <p:blipFill rotWithShape="1">
+          <a:blip r:embed="rId25" cstate="print">
+            <a:extLst>
+              <a:ext uri="{28A0092B-C50C-407E-A947-70E740481C1C}">
+                <a14:useLocalDpi xmlns:a14="http://schemas.microsoft.com/office/drawing/2010/main" val="0"/>
+              </a:ext>
+            </a:extLst>
+          </a:blip>
+          <a:srcRect l="4682" t="21090" r="44777" b="27299"/>
+          <a:stretch/>
+        </p:blipFill>
+        <p:spPr>
+          <a:xfrm>
+            <a:off x="8450401" y="4851727"/>
+            <a:ext cx="503099" cy="513747"/>
+          </a:xfrm>
+          <a:prstGeom prst="rect">
+            <a:avLst/>
+          </a:prstGeom>
+        </p:spPr>
+      </p:pic>
+      <p:pic>
+        <p:nvPicPr>
+          <p:cNvPr id="42" name="Imagem 41"/>
+          <p:cNvPicPr>
+            <a:picLocks noChangeAspect="1"/>
+          </p:cNvPicPr>
+          <p:nvPr/>
+        </p:nvPicPr>
+        <p:blipFill rotWithShape="1">
+          <a:blip r:embed="rId24" cstate="print">
+            <a:extLst>
+              <a:ext uri="{28A0092B-C50C-407E-A947-70E740481C1C}">
+                <a14:useLocalDpi xmlns:a14="http://schemas.microsoft.com/office/drawing/2010/main" val="0"/>
+              </a:ext>
+            </a:extLst>
+          </a:blip>
+          <a:srcRect l="55772" t="21090" r="5464" b="44751"/>
+          <a:stretch/>
+        </p:blipFill>
+        <p:spPr>
+          <a:xfrm>
+            <a:off x="8395171" y="5365474"/>
+            <a:ext cx="434989" cy="383319"/>
+          </a:xfrm>
+          <a:prstGeom prst="rect">
+            <a:avLst/>
+          </a:prstGeom>
+        </p:spPr>
+      </p:pic>
+      <p:pic>
+        <p:nvPicPr>
+          <p:cNvPr id="44" name="Imagem 43"/>
+          <p:cNvPicPr>
+            <a:picLocks noChangeAspect="1"/>
+          </p:cNvPicPr>
+          <p:nvPr/>
+        </p:nvPicPr>
+        <p:blipFill rotWithShape="1">
+          <a:blip r:embed="rId26" cstate="print">
+            <a:extLst>
+              <a:ext uri="{28A0092B-C50C-407E-A947-70E740481C1C}">
+                <a14:useLocalDpi xmlns:a14="http://schemas.microsoft.com/office/drawing/2010/main" val="0"/>
+              </a:ext>
+            </a:extLst>
+          </a:blip>
+          <a:srcRect l="57509" t="52131" r="5464" b="21873"/>
+          <a:stretch/>
+        </p:blipFill>
+        <p:spPr>
+          <a:xfrm>
+            <a:off x="8745370" y="5420805"/>
+            <a:ext cx="301345" cy="211562"/>
+          </a:xfrm>
+          <a:prstGeom prst="rect">
+            <a:avLst/>
+          </a:prstGeom>
+        </p:spPr>
+      </p:pic>
+      <p:pic>
+        <p:nvPicPr>
+          <p:cNvPr id="45" name="Imagem 44"/>
+          <p:cNvPicPr>
+            <a:picLocks noChangeAspect="1"/>
+          </p:cNvPicPr>
+          <p:nvPr/>
+        </p:nvPicPr>
+        <p:blipFill rotWithShape="1">
+          <a:blip r:embed="rId24" cstate="print">
+            <a:extLst>
+              <a:ext uri="{28A0092B-C50C-407E-A947-70E740481C1C}">
+                <a14:useLocalDpi xmlns:a14="http://schemas.microsoft.com/office/drawing/2010/main" val="0"/>
+              </a:ext>
+            </a:extLst>
+          </a:blip>
+          <a:srcRect l="4682" t="21090" r="44569" b="21872"/>
+          <a:stretch/>
+        </p:blipFill>
+        <p:spPr>
+          <a:xfrm>
+            <a:off x="9560485" y="4745852"/>
+            <a:ext cx="569477" cy="640045"/>
+          </a:xfrm>
+          <a:prstGeom prst="rect">
+            <a:avLst/>
+          </a:prstGeom>
+        </p:spPr>
+      </p:pic>
+      <p:pic>
+        <p:nvPicPr>
+          <p:cNvPr id="46" name="Imagem 45"/>
+          <p:cNvPicPr>
+            <a:picLocks noChangeAspect="1"/>
+          </p:cNvPicPr>
+          <p:nvPr/>
+        </p:nvPicPr>
+        <p:blipFill rotWithShape="1">
+          <a:blip r:embed="rId24" cstate="print">
+            <a:extLst>
+              <a:ext uri="{28A0092B-C50C-407E-A947-70E740481C1C}">
+                <a14:useLocalDpi xmlns:a14="http://schemas.microsoft.com/office/drawing/2010/main" val="0"/>
+              </a:ext>
+            </a:extLst>
+          </a:blip>
+          <a:srcRect l="57387" t="21090" r="9132" b="43694"/>
+          <a:stretch/>
+        </p:blipFill>
+        <p:spPr>
+          <a:xfrm>
+            <a:off x="9586383" y="5302018"/>
+            <a:ext cx="375712" cy="395171"/>
+          </a:xfrm>
+          <a:prstGeom prst="rect">
+            <a:avLst/>
+          </a:prstGeom>
+        </p:spPr>
+      </p:pic>
+      <p:pic>
+        <p:nvPicPr>
+          <p:cNvPr id="47" name="Imagem 46"/>
+          <p:cNvPicPr>
+            <a:picLocks noChangeAspect="1"/>
+          </p:cNvPicPr>
+          <p:nvPr/>
+        </p:nvPicPr>
+        <p:blipFill rotWithShape="1">
+          <a:blip r:embed="rId26" cstate="print">
+            <a:extLst>
+              <a:ext uri="{28A0092B-C50C-407E-A947-70E740481C1C}">
+                <a14:useLocalDpi xmlns:a14="http://schemas.microsoft.com/office/drawing/2010/main" val="0"/>
+              </a:ext>
+            </a:extLst>
+          </a:blip>
+          <a:srcRect l="57509" t="52131" r="5464" b="21873"/>
+          <a:stretch/>
+        </p:blipFill>
+        <p:spPr>
+          <a:xfrm>
+            <a:off x="9947264" y="5411558"/>
+            <a:ext cx="301345" cy="211562"/>
+          </a:xfrm>
+          <a:prstGeom prst="rect">
+            <a:avLst/>
+          </a:prstGeom>
+        </p:spPr>
+      </p:pic>
+      <p:pic>
+        <p:nvPicPr>
+          <p:cNvPr id="14" name="Imagem 13"/>
+          <p:cNvPicPr>
+            <a:picLocks noChangeAspect="1"/>
+          </p:cNvPicPr>
+          <p:nvPr/>
+        </p:nvPicPr>
+        <p:blipFill>
+          <a:blip r:embed="rId27" cstate="print">
+            <a:duotone>
+              <a:schemeClr val="accent2">
+                <a:shade val="45000"/>
+                <a:satMod val="135000"/>
+              </a:schemeClr>
+              <a:prstClr val="white"/>
+            </a:duotone>
+            <a:extLst>
+              <a:ext uri="{28A0092B-C50C-407E-A947-70E740481C1C}">
+                <a14:useLocalDpi xmlns:a14="http://schemas.microsoft.com/office/drawing/2010/main" val="0"/>
+              </a:ext>
+            </a:extLst>
+          </a:blip>
+          <a:stretch>
+            <a:fillRect/>
+          </a:stretch>
+        </p:blipFill>
+        <p:spPr>
+          <a:xfrm>
+            <a:off x="6897148" y="3272909"/>
+            <a:ext cx="682256" cy="682256"/>
+          </a:xfrm>
+          <a:prstGeom prst="rect">
+            <a:avLst/>
+          </a:prstGeom>
+        </p:spPr>
+      </p:pic>
+      <p:cxnSp>
+        <p:nvCxnSpPr>
+          <p:cNvPr id="16" name="Conector de Seta Reta 15"/>
+          <p:cNvCxnSpPr>
+            <a:stCxn id="78" idx="3"/>
+          </p:cNvCxnSpPr>
+          <p:nvPr/>
+        </p:nvCxnSpPr>
+        <p:spPr>
+          <a:xfrm flipV="1">
+            <a:off x="6505089" y="2478019"/>
+            <a:ext cx="679895" cy="1"/>
+          </a:xfrm>
+          <a:prstGeom prst="straightConnector1">
+            <a:avLst/>
+          </a:prstGeom>
+          <a:ln>
+            <a:tailEnd type="triangle"/>
+          </a:ln>
+        </p:spPr>
+        <p:style>
+          <a:lnRef idx="1">
+            <a:schemeClr val="accent1"/>
+          </a:lnRef>
+          <a:fillRef idx="0">
+            <a:schemeClr val="accent1"/>
+          </a:fillRef>
+          <a:effectRef idx="0">
+            <a:schemeClr val="accent1"/>
+          </a:effectRef>
+          <a:fontRef idx="minor">
+            <a:schemeClr val="tx1"/>
+          </a:fontRef>
+        </p:style>
+      </p:cxnSp>
+      <p:cxnSp>
+        <p:nvCxnSpPr>
+          <p:cNvPr id="23" name="Conector Angulado 22"/>
+          <p:cNvCxnSpPr>
+            <a:stCxn id="30" idx="1"/>
+            <a:endCxn id="14" idx="3"/>
+          </p:cNvCxnSpPr>
+          <p:nvPr/>
+        </p:nvCxnSpPr>
+        <p:spPr>
+          <a:xfrm flipH="1">
+            <a:off x="7579404" y="2632902"/>
+            <a:ext cx="566197" cy="981135"/>
+          </a:xfrm>
+          <a:prstGeom prst="bentConnector3">
+            <a:avLst>
+              <a:gd name="adj1" fmla="val -40375"/>
+            </a:avLst>
+          </a:prstGeom>
+          <a:ln>
+            <a:tailEnd type="triangle"/>
+          </a:ln>
+        </p:spPr>
+        <p:style>
+          <a:lnRef idx="1">
+            <a:schemeClr val="accent1"/>
+          </a:lnRef>
+          <a:fillRef idx="0">
+            <a:schemeClr val="accent1"/>
+          </a:fillRef>
+          <a:effectRef idx="0">
+            <a:schemeClr val="accent1"/>
+          </a:effectRef>
+          <a:fontRef idx="minor">
+            <a:schemeClr val="tx1"/>
+          </a:fontRef>
+        </p:style>
+      </p:cxnSp>
     </p:spTree>
     <p:extLst>
       <p:ext uri="{BB962C8B-B14F-4D97-AF65-F5344CB8AC3E}">

--- a/documentacao/Arquitetura-de-TI/HLD-LLD.pptx
+++ b/documentacao/Arquitetura-de-TI/HLD-LLD.pptx
@@ -259,7 +259,7 @@
           <a:p>
             <a:fld id="{82869B3E-A76A-4689-B656-33BE798491C8}" type="datetimeFigureOut">
               <a:rPr lang="pt-BR" smtClean="0"/>
-              <a:t>25/11/2019</a:t>
+              <a:t>05/12/2019</a:t>
             </a:fld>
             <a:endParaRPr lang="pt-BR"/>
           </a:p>
@@ -429,7 +429,7 @@
           <a:p>
             <a:fld id="{82869B3E-A76A-4689-B656-33BE798491C8}" type="datetimeFigureOut">
               <a:rPr lang="pt-BR" smtClean="0"/>
-              <a:t>25/11/2019</a:t>
+              <a:t>05/12/2019</a:t>
             </a:fld>
             <a:endParaRPr lang="pt-BR"/>
           </a:p>
@@ -609,7 +609,7 @@
           <a:p>
             <a:fld id="{82869B3E-A76A-4689-B656-33BE798491C8}" type="datetimeFigureOut">
               <a:rPr lang="pt-BR" smtClean="0"/>
-              <a:t>25/11/2019</a:t>
+              <a:t>05/12/2019</a:t>
             </a:fld>
             <a:endParaRPr lang="pt-BR"/>
           </a:p>
@@ -1415,7 +1415,7 @@
           <a:p>
             <a:fld id="{82869B3E-A76A-4689-B656-33BE798491C8}" type="datetimeFigureOut">
               <a:rPr lang="pt-BR" smtClean="0"/>
-              <a:t>25/11/2019</a:t>
+              <a:t>05/12/2019</a:t>
             </a:fld>
             <a:endParaRPr lang="pt-BR"/>
           </a:p>
@@ -1585,7 +1585,7 @@
           <a:p>
             <a:fld id="{82869B3E-A76A-4689-B656-33BE798491C8}" type="datetimeFigureOut">
               <a:rPr lang="pt-BR" smtClean="0"/>
-              <a:t>25/11/2019</a:t>
+              <a:t>05/12/2019</a:t>
             </a:fld>
             <a:endParaRPr lang="pt-BR"/>
           </a:p>
@@ -1832,7 +1832,7 @@
           <a:p>
             <a:fld id="{82869B3E-A76A-4689-B656-33BE798491C8}" type="datetimeFigureOut">
               <a:rPr lang="pt-BR" smtClean="0"/>
-              <a:t>25/11/2019</a:t>
+              <a:t>05/12/2019</a:t>
             </a:fld>
             <a:endParaRPr lang="pt-BR"/>
           </a:p>
@@ -2064,7 +2064,7 @@
           <a:p>
             <a:fld id="{82869B3E-A76A-4689-B656-33BE798491C8}" type="datetimeFigureOut">
               <a:rPr lang="pt-BR" smtClean="0"/>
-              <a:t>25/11/2019</a:t>
+              <a:t>05/12/2019</a:t>
             </a:fld>
             <a:endParaRPr lang="pt-BR"/>
           </a:p>
@@ -2438,7 +2438,7 @@
           <a:p>
             <a:fld id="{82869B3E-A76A-4689-B656-33BE798491C8}" type="datetimeFigureOut">
               <a:rPr lang="pt-BR" smtClean="0"/>
-              <a:t>25/11/2019</a:t>
+              <a:t>05/12/2019</a:t>
             </a:fld>
             <a:endParaRPr lang="pt-BR"/>
           </a:p>
@@ -2561,7 +2561,7 @@
           <a:p>
             <a:fld id="{82869B3E-A76A-4689-B656-33BE798491C8}" type="datetimeFigureOut">
               <a:rPr lang="pt-BR" smtClean="0"/>
-              <a:t>25/11/2019</a:t>
+              <a:t>05/12/2019</a:t>
             </a:fld>
             <a:endParaRPr lang="pt-BR"/>
           </a:p>
@@ -2656,7 +2656,7 @@
           <a:p>
             <a:fld id="{82869B3E-A76A-4689-B656-33BE798491C8}" type="datetimeFigureOut">
               <a:rPr lang="pt-BR" smtClean="0"/>
-              <a:t>25/11/2019</a:t>
+              <a:t>05/12/2019</a:t>
             </a:fld>
             <a:endParaRPr lang="pt-BR"/>
           </a:p>
@@ -2911,7 +2911,7 @@
           <a:p>
             <a:fld id="{82869B3E-A76A-4689-B656-33BE798491C8}" type="datetimeFigureOut">
               <a:rPr lang="pt-BR" smtClean="0"/>
-              <a:t>25/11/2019</a:t>
+              <a:t>05/12/2019</a:t>
             </a:fld>
             <a:endParaRPr lang="pt-BR"/>
           </a:p>
@@ -3081,7 +3081,7 @@
           <a:p>
             <a:fld id="{82869B3E-A76A-4689-B656-33BE798491C8}" type="datetimeFigureOut">
               <a:rPr lang="pt-BR" smtClean="0"/>
-              <a:t>25/11/2019</a:t>
+              <a:t>05/12/2019</a:t>
             </a:fld>
             <a:endParaRPr lang="pt-BR"/>
           </a:p>
@@ -3386,7 +3386,7 @@
           <a:p>
             <a:fld id="{82869B3E-A76A-4689-B656-33BE798491C8}" type="datetimeFigureOut">
               <a:rPr lang="pt-BR" smtClean="0"/>
-              <a:t>25/11/2019</a:t>
+              <a:t>05/12/2019</a:t>
             </a:fld>
             <a:endParaRPr lang="pt-BR"/>
           </a:p>
@@ -3595,7 +3595,7 @@
           <a:p>
             <a:fld id="{82869B3E-A76A-4689-B656-33BE798491C8}" type="datetimeFigureOut">
               <a:rPr lang="pt-BR" smtClean="0"/>
-              <a:t>25/11/2019</a:t>
+              <a:t>05/12/2019</a:t>
             </a:fld>
             <a:endParaRPr lang="pt-BR"/>
           </a:p>
@@ -3909,7 +3909,7 @@
           <a:p>
             <a:fld id="{82869B3E-A76A-4689-B656-33BE798491C8}" type="datetimeFigureOut">
               <a:rPr lang="pt-BR" smtClean="0"/>
-              <a:t>25/11/2019</a:t>
+              <a:t>05/12/2019</a:t>
             </a:fld>
             <a:endParaRPr lang="pt-BR"/>
           </a:p>
@@ -4242,7 +4242,7 @@
           <a:p>
             <a:fld id="{82869B3E-A76A-4689-B656-33BE798491C8}" type="datetimeFigureOut">
               <a:rPr lang="pt-BR" smtClean="0"/>
-              <a:t>25/11/2019</a:t>
+              <a:t>05/12/2019</a:t>
             </a:fld>
             <a:endParaRPr lang="pt-BR"/>
           </a:p>
@@ -4556,7 +4556,7 @@
           <a:p>
             <a:fld id="{82869B3E-A76A-4689-B656-33BE798491C8}" type="datetimeFigureOut">
               <a:rPr lang="pt-BR" smtClean="0"/>
-              <a:t>25/11/2019</a:t>
+              <a:t>05/12/2019</a:t>
             </a:fld>
             <a:endParaRPr lang="pt-BR"/>
           </a:p>
@@ -4949,7 +4949,7 @@
           <a:p>
             <a:fld id="{82869B3E-A76A-4689-B656-33BE798491C8}" type="datetimeFigureOut">
               <a:rPr lang="pt-BR" smtClean="0"/>
-              <a:t>25/11/2019</a:t>
+              <a:t>05/12/2019</a:t>
             </a:fld>
             <a:endParaRPr lang="pt-BR"/>
           </a:p>
@@ -5119,7 +5119,7 @@
           <a:p>
             <a:fld id="{82869B3E-A76A-4689-B656-33BE798491C8}" type="datetimeFigureOut">
               <a:rPr lang="pt-BR" smtClean="0"/>
-              <a:t>25/11/2019</a:t>
+              <a:t>05/12/2019</a:t>
             </a:fld>
             <a:endParaRPr lang="pt-BR"/>
           </a:p>
@@ -5299,7 +5299,7 @@
           <a:p>
             <a:fld id="{82869B3E-A76A-4689-B656-33BE798491C8}" type="datetimeFigureOut">
               <a:rPr lang="pt-BR" smtClean="0"/>
-              <a:t>25/11/2019</a:t>
+              <a:t>05/12/2019</a:t>
             </a:fld>
             <a:endParaRPr lang="pt-BR"/>
           </a:p>
@@ -5550,7 +5550,7 @@
           <a:p>
             <a:fld id="{82869B3E-A76A-4689-B656-33BE798491C8}" type="datetimeFigureOut">
               <a:rPr lang="pt-BR" smtClean="0"/>
-              <a:t>25/11/2019</a:t>
+              <a:t>05/12/2019</a:t>
             </a:fld>
             <a:endParaRPr lang="pt-BR"/>
           </a:p>
@@ -5782,7 +5782,7 @@
           <a:p>
             <a:fld id="{82869B3E-A76A-4689-B656-33BE798491C8}" type="datetimeFigureOut">
               <a:rPr lang="pt-BR" smtClean="0"/>
-              <a:t>25/11/2019</a:t>
+              <a:t>05/12/2019</a:t>
             </a:fld>
             <a:endParaRPr lang="pt-BR"/>
           </a:p>
@@ -6129,7 +6129,7 @@
           <a:p>
             <a:fld id="{82869B3E-A76A-4689-B656-33BE798491C8}" type="datetimeFigureOut">
               <a:rPr lang="pt-BR" smtClean="0"/>
-              <a:t>25/11/2019</a:t>
+              <a:t>05/12/2019</a:t>
             </a:fld>
             <a:endParaRPr lang="pt-BR"/>
           </a:p>
@@ -6247,7 +6247,7 @@
           <a:p>
             <a:fld id="{82869B3E-A76A-4689-B656-33BE798491C8}" type="datetimeFigureOut">
               <a:rPr lang="pt-BR" smtClean="0"/>
-              <a:t>25/11/2019</a:t>
+              <a:t>05/12/2019</a:t>
             </a:fld>
             <a:endParaRPr lang="pt-BR"/>
           </a:p>
@@ -6365,7 +6365,7 @@
           <a:p>
             <a:fld id="{82869B3E-A76A-4689-B656-33BE798491C8}" type="datetimeFigureOut">
               <a:rPr lang="pt-BR" smtClean="0"/>
-              <a:t>25/11/2019</a:t>
+              <a:t>05/12/2019</a:t>
             </a:fld>
             <a:endParaRPr lang="pt-BR"/>
           </a:p>
@@ -6649,7 +6649,7 @@
           <a:p>
             <a:fld id="{82869B3E-A76A-4689-B656-33BE798491C8}" type="datetimeFigureOut">
               <a:rPr lang="pt-BR" smtClean="0"/>
-              <a:t>25/11/2019</a:t>
+              <a:t>05/12/2019</a:t>
             </a:fld>
             <a:endParaRPr lang="pt-BR"/>
           </a:p>
@@ -6913,7 +6913,7 @@
           <a:p>
             <a:fld id="{82869B3E-A76A-4689-B656-33BE798491C8}" type="datetimeFigureOut">
               <a:rPr lang="pt-BR" smtClean="0"/>
-              <a:t>25/11/2019</a:t>
+              <a:t>05/12/2019</a:t>
             </a:fld>
             <a:endParaRPr lang="pt-BR"/>
           </a:p>
@@ -7150,7 +7150,7 @@
           <a:p>
             <a:fld id="{82869B3E-A76A-4689-B656-33BE798491C8}" type="datetimeFigureOut">
               <a:rPr lang="pt-BR" smtClean="0"/>
-              <a:t>25/11/2019</a:t>
+              <a:t>05/12/2019</a:t>
             </a:fld>
             <a:endParaRPr lang="pt-BR"/>
           </a:p>
@@ -8210,7 +8210,7 @@
           <a:p>
             <a:fld id="{82869B3E-A76A-4689-B656-33BE798491C8}" type="datetimeFigureOut">
               <a:rPr lang="pt-BR" smtClean="0"/>
-              <a:t>25/11/2019</a:t>
+              <a:t>05/12/2019</a:t>
             </a:fld>
             <a:endParaRPr lang="pt-BR"/>
           </a:p>
@@ -10745,7 +10745,7 @@
         </p:blipFill>
         <p:spPr>
           <a:xfrm>
-            <a:off x="4789374" y="3202888"/>
+            <a:off x="4891728" y="3190686"/>
             <a:ext cx="565422" cy="434873"/>
           </a:xfrm>
           <a:prstGeom prst="rect">
@@ -10836,13 +10836,16 @@
       <p:cxnSp>
         <p:nvCxnSpPr>
           <p:cNvPr id="66" name="Conector Angulado 65"/>
-          <p:cNvCxnSpPr/>
+          <p:cNvCxnSpPr>
+            <a:stCxn id="8" idx="1"/>
+            <a:endCxn id="69" idx="2"/>
+          </p:cNvCxnSpPr>
           <p:nvPr/>
         </p:nvCxnSpPr>
         <p:spPr>
-          <a:xfrm rot="10800000" flipV="1">
-            <a:off x="1414843" y="3347612"/>
-            <a:ext cx="3531459" cy="346317"/>
+          <a:xfrm rot="10800000">
+            <a:off x="1085054" y="3114865"/>
+            <a:ext cx="3806675" cy="293259"/>
           </a:xfrm>
           <a:prstGeom prst="bentConnector2">
             <a:avLst/>
@@ -10925,7 +10928,7 @@
         </p:blipFill>
         <p:spPr>
           <a:xfrm>
-            <a:off x="683757" y="3771589"/>
+            <a:off x="546808" y="2155213"/>
             <a:ext cx="1076489" cy="959651"/>
           </a:xfrm>
           <a:prstGeom prst="rect">
@@ -10941,8 +10944,8 @@
         </p:nvSpPr>
         <p:spPr>
           <a:xfrm>
-            <a:off x="2333767" y="178462"/>
-            <a:ext cx="8024884" cy="1953279"/>
+            <a:off x="2360769" y="108467"/>
+            <a:ext cx="8024884" cy="2400281"/>
           </a:xfrm>
           <a:prstGeom prst="rect">
             <a:avLst/>
@@ -11007,18 +11010,20 @@
         <p:nvCxnSpPr>
           <p:cNvPr id="76" name="Conector Angulado 75"/>
           <p:cNvCxnSpPr>
-            <a:stCxn id="69" idx="0"/>
+            <a:stCxn id="69" idx="3"/>
             <a:endCxn id="78" idx="1"/>
           </p:cNvCxnSpPr>
           <p:nvPr/>
         </p:nvCxnSpPr>
         <p:spPr>
-          <a:xfrm rot="5400000" flipH="1" flipV="1">
-            <a:off x="2722847" y="977176"/>
-            <a:ext cx="1293569" cy="4295258"/>
-          </a:xfrm>
-          <a:prstGeom prst="bentConnector2">
-            <a:avLst/>
+          <a:xfrm>
+            <a:off x="1623297" y="2635039"/>
+            <a:ext cx="3982372" cy="1"/>
+          </a:xfrm>
+          <a:prstGeom prst="bentConnector3">
+            <a:avLst>
+              <a:gd name="adj1" fmla="val 50000"/>
+            </a:avLst>
           </a:prstGeom>
           <a:ln>
             <a:tailEnd type="triangle"/>
@@ -11061,7 +11066,7 @@
         </p:blipFill>
         <p:spPr>
           <a:xfrm>
-            <a:off x="5517260" y="1984105"/>
+            <a:off x="5605669" y="2141125"/>
             <a:ext cx="987829" cy="987829"/>
           </a:xfrm>
           <a:prstGeom prst="rect">
@@ -11273,36 +11278,6 @@
           <a:xfrm>
             <a:off x="7272081" y="898753"/>
             <a:ext cx="834097" cy="1178328"/>
-          </a:xfrm>
-          <a:prstGeom prst="rect">
-            <a:avLst/>
-          </a:prstGeom>
-        </p:spPr>
-      </p:pic>
-      <p:pic>
-        <p:nvPicPr>
-          <p:cNvPr id="30" name="Imagem 29"/>
-          <p:cNvPicPr>
-            <a:picLocks noChangeAspect="1"/>
-          </p:cNvPicPr>
-          <p:nvPr/>
-        </p:nvPicPr>
-        <p:blipFill>
-          <a:blip r:embed="rId11" cstate="print">
-            <a:extLst>
-              <a:ext uri="{28A0092B-C50C-407E-A947-70E740481C1C}">
-                <a14:useLocalDpi xmlns:a14="http://schemas.microsoft.com/office/drawing/2010/main" val="0"/>
-              </a:ext>
-            </a:extLst>
-          </a:blip>
-          <a:stretch>
-            <a:fillRect/>
-          </a:stretch>
-        </p:blipFill>
-        <p:spPr>
-          <a:xfrm flipH="1">
-            <a:off x="7232657" y="2225973"/>
-            <a:ext cx="912944" cy="813857"/>
           </a:xfrm>
           <a:prstGeom prst="rect">
             <a:avLst/>
@@ -11805,18 +11780,19 @@
       </p:pic>
       <p:cxnSp>
         <p:nvCxnSpPr>
-          <p:cNvPr id="16" name="Conector de Seta Reta 15"/>
+          <p:cNvPr id="23" name="Conector Angulado 22"/>
           <p:cNvCxnSpPr>
-            <a:stCxn id="78" idx="3"/>
+            <a:stCxn id="70" idx="2"/>
+            <a:endCxn id="14" idx="3"/>
           </p:cNvCxnSpPr>
           <p:nvPr/>
         </p:nvCxnSpPr>
         <p:spPr>
-          <a:xfrm flipV="1">
-            <a:off x="6505089" y="2478019"/>
-            <a:ext cx="679895" cy="1"/>
-          </a:xfrm>
-          <a:prstGeom prst="straightConnector1">
+          <a:xfrm rot="5400000">
+            <a:off x="9086841" y="1611573"/>
+            <a:ext cx="495028" cy="3509901"/>
+          </a:xfrm>
+          <a:prstGeom prst="bentConnector2">
             <a:avLst/>
           </a:prstGeom>
           <a:ln>
@@ -11840,21 +11816,21 @@
       </p:cxnSp>
       <p:cxnSp>
         <p:nvCxnSpPr>
-          <p:cNvPr id="23" name="Conector Angulado 22"/>
+          <p:cNvPr id="20" name="Conector Angulado 19"/>
           <p:cNvCxnSpPr>
-            <a:stCxn id="30" idx="1"/>
-            <a:endCxn id="14" idx="3"/>
+            <a:stCxn id="78" idx="3"/>
+            <a:endCxn id="70" idx="3"/>
           </p:cNvCxnSpPr>
           <p:nvPr/>
         </p:nvCxnSpPr>
         <p:spPr>
-          <a:xfrm flipH="1">
-            <a:off x="7579404" y="2632902"/>
-            <a:ext cx="566197" cy="981135"/>
+          <a:xfrm>
+            <a:off x="6593498" y="2635040"/>
+            <a:ext cx="3957563" cy="4144"/>
           </a:xfrm>
           <a:prstGeom prst="bentConnector3">
             <a:avLst>
-              <a:gd name="adj1" fmla="val -40375"/>
+              <a:gd name="adj1" fmla="val 50000"/>
             </a:avLst>
           </a:prstGeom>
           <a:ln>
@@ -11876,6 +11852,36 @@
           </a:fontRef>
         </p:style>
       </p:cxnSp>
+      <p:pic>
+        <p:nvPicPr>
+          <p:cNvPr id="70" name="Imagem 69"/>
+          <p:cNvPicPr>
+            <a:picLocks noChangeAspect="1"/>
+          </p:cNvPicPr>
+          <p:nvPr/>
+        </p:nvPicPr>
+        <p:blipFill>
+          <a:blip r:embed="rId11" cstate="print">
+            <a:extLst>
+              <a:ext uri="{28A0092B-C50C-407E-A947-70E740481C1C}">
+                <a14:useLocalDpi xmlns:a14="http://schemas.microsoft.com/office/drawing/2010/main" val="0"/>
+              </a:ext>
+            </a:extLst>
+          </a:blip>
+          <a:stretch>
+            <a:fillRect/>
+          </a:stretch>
+        </p:blipFill>
+        <p:spPr>
+          <a:xfrm flipH="1">
+            <a:off x="10551061" y="2159358"/>
+            <a:ext cx="1076489" cy="959651"/>
+          </a:xfrm>
+          <a:prstGeom prst="rect">
+            <a:avLst/>
+          </a:prstGeom>
+        </p:spPr>
+      </p:pic>
     </p:spTree>
     <p:extLst>
       <p:ext uri="{BB962C8B-B14F-4D97-AF65-F5344CB8AC3E}">
